--- a/Documents/Powerpoints/Overview_HMDS_tan_MNE.pptx
+++ b/Documents/Powerpoints/Overview_HMDS_tan_MNE.pptx
@@ -4,6 +4,9 @@
   <p:sldMasterIdLst>
     <p:sldMasterId id="2147483648" r:id="rId1"/>
   </p:sldMasterIdLst>
+  <p:notesMasterIdLst>
+    <p:notesMasterId r:id="rId25"/>
+  </p:notesMasterIdLst>
   <p:sldIdLst>
     <p:sldId id="256" r:id="rId2"/>
     <p:sldId id="258" r:id="rId3"/>
@@ -21,6 +24,13 @@
     <p:sldId id="279" r:id="rId15"/>
     <p:sldId id="280" r:id="rId16"/>
     <p:sldId id="282" r:id="rId17"/>
+    <p:sldId id="283" r:id="rId18"/>
+    <p:sldId id="284" r:id="rId19"/>
+    <p:sldId id="285" r:id="rId20"/>
+    <p:sldId id="286" r:id="rId21"/>
+    <p:sldId id="287" r:id="rId22"/>
+    <p:sldId id="288" r:id="rId23"/>
+    <p:sldId id="289" r:id="rId24"/>
   </p:sldIdLst>
   <p:sldSz cx="12192000" cy="6858000"/>
   <p:notesSz cx="6858000" cy="9144000"/>
@@ -138,6 +148,535 @@
 </p:presentation>
 </file>
 
+<file path=ppt/notesMasters/notesMaster1.xml><?xml version="1.0" encoding="utf-8"?>
+<p:notesMaster xmlns:a="http://schemas.openxmlformats.org/drawingml/2006/main" xmlns:r="http://schemas.openxmlformats.org/officeDocument/2006/relationships" xmlns:p="http://schemas.openxmlformats.org/presentationml/2006/main">
+  <p:cSld>
+    <p:bg>
+      <p:bgRef idx="1001">
+        <a:schemeClr val="bg1"/>
+      </p:bgRef>
+    </p:bg>
+    <p:spTree>
+      <p:nvGrpSpPr>
+        <p:cNvPr id="1" name=""/>
+        <p:cNvGrpSpPr/>
+        <p:nvPr/>
+      </p:nvGrpSpPr>
+      <p:grpSpPr>
+        <a:xfrm>
+          <a:off x="0" y="0"/>
+          <a:ext cx="0" cy="0"/>
+          <a:chOff x="0" y="0"/>
+          <a:chExt cx="0" cy="0"/>
+        </a:xfrm>
+      </p:grpSpPr>
+      <p:sp>
+        <p:nvSpPr>
+          <p:cNvPr id="2" name="Header Placeholder 1"/>
+          <p:cNvSpPr>
+            <a:spLocks noGrp="1"/>
+          </p:cNvSpPr>
+          <p:nvPr>
+            <p:ph type="hdr" sz="quarter"/>
+          </p:nvPr>
+        </p:nvSpPr>
+        <p:spPr>
+          <a:xfrm>
+            <a:off x="0" y="0"/>
+            <a:ext cx="2971800" cy="458788"/>
+          </a:xfrm>
+          <a:prstGeom prst="rect">
+            <a:avLst/>
+          </a:prstGeom>
+        </p:spPr>
+        <p:txBody>
+          <a:bodyPr vert="horz" lIns="91440" tIns="45720" rIns="91440" bIns="45720" rtlCol="0"/>
+          <a:lstStyle>
+            <a:lvl1pPr algn="l">
+              <a:defRPr sz="1200"/>
+            </a:lvl1pPr>
+          </a:lstStyle>
+          <a:p>
+            <a:endParaRPr lang="en-US"/>
+          </a:p>
+        </p:txBody>
+      </p:sp>
+      <p:sp>
+        <p:nvSpPr>
+          <p:cNvPr id="3" name="Date Placeholder 2"/>
+          <p:cNvSpPr>
+            <a:spLocks noGrp="1"/>
+          </p:cNvSpPr>
+          <p:nvPr>
+            <p:ph type="dt" idx="1"/>
+          </p:nvPr>
+        </p:nvSpPr>
+        <p:spPr>
+          <a:xfrm>
+            <a:off x="3884613" y="0"/>
+            <a:ext cx="2971800" cy="458788"/>
+          </a:xfrm>
+          <a:prstGeom prst="rect">
+            <a:avLst/>
+          </a:prstGeom>
+        </p:spPr>
+        <p:txBody>
+          <a:bodyPr vert="horz" lIns="91440" tIns="45720" rIns="91440" bIns="45720" rtlCol="0"/>
+          <a:lstStyle>
+            <a:lvl1pPr algn="r">
+              <a:defRPr sz="1200"/>
+            </a:lvl1pPr>
+          </a:lstStyle>
+          <a:p>
+            <a:fld id="{A61F3DC4-2BBD-594C-83A0-74500DE56451}" type="datetimeFigureOut">
+              <a:rPr lang="en-US" smtClean="0"/>
+              <a:t>7/16/24</a:t>
+            </a:fld>
+            <a:endParaRPr lang="en-US"/>
+          </a:p>
+        </p:txBody>
+      </p:sp>
+      <p:sp>
+        <p:nvSpPr>
+          <p:cNvPr id="4" name="Slide Image Placeholder 3"/>
+          <p:cNvSpPr>
+            <a:spLocks noGrp="1" noRot="1" noChangeAspect="1"/>
+          </p:cNvSpPr>
+          <p:nvPr>
+            <p:ph type="sldImg" idx="2"/>
+          </p:nvPr>
+        </p:nvSpPr>
+        <p:spPr>
+          <a:xfrm>
+            <a:off x="685800" y="1143000"/>
+            <a:ext cx="5486400" cy="3086100"/>
+          </a:xfrm>
+          <a:prstGeom prst="rect">
+            <a:avLst/>
+          </a:prstGeom>
+          <a:noFill/>
+          <a:ln w="12700">
+            <a:solidFill>
+              <a:prstClr val="black"/>
+            </a:solidFill>
+          </a:ln>
+        </p:spPr>
+        <p:txBody>
+          <a:bodyPr vert="horz" lIns="91440" tIns="45720" rIns="91440" bIns="45720" rtlCol="0" anchor="ctr"/>
+          <a:lstStyle/>
+          <a:p>
+            <a:endParaRPr lang="en-US"/>
+          </a:p>
+        </p:txBody>
+      </p:sp>
+      <p:sp>
+        <p:nvSpPr>
+          <p:cNvPr id="5" name="Notes Placeholder 4"/>
+          <p:cNvSpPr>
+            <a:spLocks noGrp="1"/>
+          </p:cNvSpPr>
+          <p:nvPr>
+            <p:ph type="body" sz="quarter" idx="3"/>
+          </p:nvPr>
+        </p:nvSpPr>
+        <p:spPr>
+          <a:xfrm>
+            <a:off x="685800" y="4400550"/>
+            <a:ext cx="5486400" cy="3600450"/>
+          </a:xfrm>
+          <a:prstGeom prst="rect">
+            <a:avLst/>
+          </a:prstGeom>
+        </p:spPr>
+        <p:txBody>
+          <a:bodyPr vert="horz" lIns="91440" tIns="45720" rIns="91440" bIns="45720" rtlCol="0"/>
+          <a:lstStyle/>
+          <a:p>
+            <a:pPr lvl="0"/>
+            <a:r>
+              <a:rPr lang="en-US"/>
+              <a:t>Click to edit Master text styles</a:t>
+            </a:r>
+          </a:p>
+          <a:p>
+            <a:pPr lvl="1"/>
+            <a:r>
+              <a:rPr lang="en-US"/>
+              <a:t>Second level</a:t>
+            </a:r>
+          </a:p>
+          <a:p>
+            <a:pPr lvl="2"/>
+            <a:r>
+              <a:rPr lang="en-US"/>
+              <a:t>Third level</a:t>
+            </a:r>
+          </a:p>
+          <a:p>
+            <a:pPr lvl="3"/>
+            <a:r>
+              <a:rPr lang="en-US"/>
+              <a:t>Fourth level</a:t>
+            </a:r>
+          </a:p>
+          <a:p>
+            <a:pPr lvl="4"/>
+            <a:r>
+              <a:rPr lang="en-US"/>
+              <a:t>Fifth level</a:t>
+            </a:r>
+          </a:p>
+        </p:txBody>
+      </p:sp>
+      <p:sp>
+        <p:nvSpPr>
+          <p:cNvPr id="6" name="Footer Placeholder 5"/>
+          <p:cNvSpPr>
+            <a:spLocks noGrp="1"/>
+          </p:cNvSpPr>
+          <p:nvPr>
+            <p:ph type="ftr" sz="quarter" idx="4"/>
+          </p:nvPr>
+        </p:nvSpPr>
+        <p:spPr>
+          <a:xfrm>
+            <a:off x="0" y="8685213"/>
+            <a:ext cx="2971800" cy="458787"/>
+          </a:xfrm>
+          <a:prstGeom prst="rect">
+            <a:avLst/>
+          </a:prstGeom>
+        </p:spPr>
+        <p:txBody>
+          <a:bodyPr vert="horz" lIns="91440" tIns="45720" rIns="91440" bIns="45720" rtlCol="0" anchor="b"/>
+          <a:lstStyle>
+            <a:lvl1pPr algn="l">
+              <a:defRPr sz="1200"/>
+            </a:lvl1pPr>
+          </a:lstStyle>
+          <a:p>
+            <a:endParaRPr lang="en-US"/>
+          </a:p>
+        </p:txBody>
+      </p:sp>
+      <p:sp>
+        <p:nvSpPr>
+          <p:cNvPr id="7" name="Slide Number Placeholder 6"/>
+          <p:cNvSpPr>
+            <a:spLocks noGrp="1"/>
+          </p:cNvSpPr>
+          <p:nvPr>
+            <p:ph type="sldNum" sz="quarter" idx="5"/>
+          </p:nvPr>
+        </p:nvSpPr>
+        <p:spPr>
+          <a:xfrm>
+            <a:off x="3884613" y="8685213"/>
+            <a:ext cx="2971800" cy="458787"/>
+          </a:xfrm>
+          <a:prstGeom prst="rect">
+            <a:avLst/>
+          </a:prstGeom>
+        </p:spPr>
+        <p:txBody>
+          <a:bodyPr vert="horz" lIns="91440" tIns="45720" rIns="91440" bIns="45720" rtlCol="0" anchor="b"/>
+          <a:lstStyle>
+            <a:lvl1pPr algn="r">
+              <a:defRPr sz="1200"/>
+            </a:lvl1pPr>
+          </a:lstStyle>
+          <a:p>
+            <a:fld id="{62A94E66-1A03-F948-AB0E-399CAF3A02D2}" type="slidenum">
+              <a:rPr lang="en-US" smtClean="0"/>
+              <a:t>‹#›</a:t>
+            </a:fld>
+            <a:endParaRPr lang="en-US"/>
+          </a:p>
+        </p:txBody>
+      </p:sp>
+    </p:spTree>
+    <p:extLst>
+      <p:ext uri="{BB962C8B-B14F-4D97-AF65-F5344CB8AC3E}">
+        <p14:creationId xmlns:p14="http://schemas.microsoft.com/office/powerpoint/2010/main" val="177130937"/>
+      </p:ext>
+    </p:extLst>
+  </p:cSld>
+  <p:clrMap bg1="lt1" tx1="dk1" bg2="lt2" tx2="dk2" accent1="accent1" accent2="accent2" accent3="accent3" accent4="accent4" accent5="accent5" accent6="accent6" hlink="hlink" folHlink="folHlink"/>
+  <p:notesStyle>
+    <a:lvl1pPr marL="0" algn="l" defTabSz="914400" rtl="0" eaLnBrk="1" latinLnBrk="0" hangingPunct="1">
+      <a:defRPr sz="1200" kern="1200">
+        <a:solidFill>
+          <a:schemeClr val="tx1"/>
+        </a:solidFill>
+        <a:latin typeface="+mn-lt"/>
+        <a:ea typeface="+mn-ea"/>
+        <a:cs typeface="+mn-cs"/>
+      </a:defRPr>
+    </a:lvl1pPr>
+    <a:lvl2pPr marL="457200" algn="l" defTabSz="914400" rtl="0" eaLnBrk="1" latinLnBrk="0" hangingPunct="1">
+      <a:defRPr sz="1200" kern="1200">
+        <a:solidFill>
+          <a:schemeClr val="tx1"/>
+        </a:solidFill>
+        <a:latin typeface="+mn-lt"/>
+        <a:ea typeface="+mn-ea"/>
+        <a:cs typeface="+mn-cs"/>
+      </a:defRPr>
+    </a:lvl2pPr>
+    <a:lvl3pPr marL="914400" algn="l" defTabSz="914400" rtl="0" eaLnBrk="1" latinLnBrk="0" hangingPunct="1">
+      <a:defRPr sz="1200" kern="1200">
+        <a:solidFill>
+          <a:schemeClr val="tx1"/>
+        </a:solidFill>
+        <a:latin typeface="+mn-lt"/>
+        <a:ea typeface="+mn-ea"/>
+        <a:cs typeface="+mn-cs"/>
+      </a:defRPr>
+    </a:lvl3pPr>
+    <a:lvl4pPr marL="1371600" algn="l" defTabSz="914400" rtl="0" eaLnBrk="1" latinLnBrk="0" hangingPunct="1">
+      <a:defRPr sz="1200" kern="1200">
+        <a:solidFill>
+          <a:schemeClr val="tx1"/>
+        </a:solidFill>
+        <a:latin typeface="+mn-lt"/>
+        <a:ea typeface="+mn-ea"/>
+        <a:cs typeface="+mn-cs"/>
+      </a:defRPr>
+    </a:lvl4pPr>
+    <a:lvl5pPr marL="1828800" algn="l" defTabSz="914400" rtl="0" eaLnBrk="1" latinLnBrk="0" hangingPunct="1">
+      <a:defRPr sz="1200" kern="1200">
+        <a:solidFill>
+          <a:schemeClr val="tx1"/>
+        </a:solidFill>
+        <a:latin typeface="+mn-lt"/>
+        <a:ea typeface="+mn-ea"/>
+        <a:cs typeface="+mn-cs"/>
+      </a:defRPr>
+    </a:lvl5pPr>
+    <a:lvl6pPr marL="2286000" algn="l" defTabSz="914400" rtl="0" eaLnBrk="1" latinLnBrk="0" hangingPunct="1">
+      <a:defRPr sz="1200" kern="1200">
+        <a:solidFill>
+          <a:schemeClr val="tx1"/>
+        </a:solidFill>
+        <a:latin typeface="+mn-lt"/>
+        <a:ea typeface="+mn-ea"/>
+        <a:cs typeface="+mn-cs"/>
+      </a:defRPr>
+    </a:lvl6pPr>
+    <a:lvl7pPr marL="2743200" algn="l" defTabSz="914400" rtl="0" eaLnBrk="1" latinLnBrk="0" hangingPunct="1">
+      <a:defRPr sz="1200" kern="1200">
+        <a:solidFill>
+          <a:schemeClr val="tx1"/>
+        </a:solidFill>
+        <a:latin typeface="+mn-lt"/>
+        <a:ea typeface="+mn-ea"/>
+        <a:cs typeface="+mn-cs"/>
+      </a:defRPr>
+    </a:lvl7pPr>
+    <a:lvl8pPr marL="3200400" algn="l" defTabSz="914400" rtl="0" eaLnBrk="1" latinLnBrk="0" hangingPunct="1">
+      <a:defRPr sz="1200" kern="1200">
+        <a:solidFill>
+          <a:schemeClr val="tx1"/>
+        </a:solidFill>
+        <a:latin typeface="+mn-lt"/>
+        <a:ea typeface="+mn-ea"/>
+        <a:cs typeface="+mn-cs"/>
+      </a:defRPr>
+    </a:lvl8pPr>
+    <a:lvl9pPr marL="3657600" algn="l" defTabSz="914400" rtl="0" eaLnBrk="1" latinLnBrk="0" hangingPunct="1">
+      <a:defRPr sz="1200" kern="1200">
+        <a:solidFill>
+          <a:schemeClr val="tx1"/>
+        </a:solidFill>
+        <a:latin typeface="+mn-lt"/>
+        <a:ea typeface="+mn-ea"/>
+        <a:cs typeface="+mn-cs"/>
+      </a:defRPr>
+    </a:lvl9pPr>
+  </p:notesStyle>
+</p:notesMaster>
+</file>
+
+<file path=ppt/notesSlides/notesSlide1.xml><?xml version="1.0" encoding="utf-8"?>
+<p:notes xmlns:a="http://schemas.openxmlformats.org/drawingml/2006/main" xmlns:r="http://schemas.openxmlformats.org/officeDocument/2006/relationships" xmlns:p="http://schemas.openxmlformats.org/presentationml/2006/main">
+  <p:cSld>
+    <p:spTree>
+      <p:nvGrpSpPr>
+        <p:cNvPr id="1" name=""/>
+        <p:cNvGrpSpPr/>
+        <p:nvPr/>
+      </p:nvGrpSpPr>
+      <p:grpSpPr>
+        <a:xfrm>
+          <a:off x="0" y="0"/>
+          <a:ext cx="0" cy="0"/>
+          <a:chOff x="0" y="0"/>
+          <a:chExt cx="0" cy="0"/>
+        </a:xfrm>
+      </p:grpSpPr>
+      <p:sp>
+        <p:nvSpPr>
+          <p:cNvPr id="2" name="Slide Image Placeholder 1"/>
+          <p:cNvSpPr>
+            <a:spLocks noGrp="1" noRot="1" noChangeAspect="1"/>
+          </p:cNvSpPr>
+          <p:nvPr>
+            <p:ph type="sldImg"/>
+          </p:nvPr>
+        </p:nvSpPr>
+        <p:spPr/>
+      </p:sp>
+      <p:sp>
+        <p:nvSpPr>
+          <p:cNvPr id="3" name="Notes Placeholder 2"/>
+          <p:cNvSpPr>
+            <a:spLocks noGrp="1"/>
+          </p:cNvSpPr>
+          <p:nvPr>
+            <p:ph type="body" idx="1"/>
+          </p:nvPr>
+        </p:nvSpPr>
+        <p:spPr/>
+        <p:txBody>
+          <a:bodyPr/>
+          <a:lstStyle/>
+          <a:p>
+            <a:r>
+              <a:rPr lang="en-US" dirty="0"/>
+              <a:t>OFF with bin size 5</a:t>
+            </a:r>
+          </a:p>
+        </p:txBody>
+      </p:sp>
+      <p:sp>
+        <p:nvSpPr>
+          <p:cNvPr id="4" name="Slide Number Placeholder 3"/>
+          <p:cNvSpPr>
+            <a:spLocks noGrp="1"/>
+          </p:cNvSpPr>
+          <p:nvPr>
+            <p:ph type="sldNum" sz="quarter" idx="5"/>
+          </p:nvPr>
+        </p:nvSpPr>
+        <p:spPr/>
+        <p:txBody>
+          <a:bodyPr/>
+          <a:lstStyle/>
+          <a:p>
+            <a:fld id="{62A94E66-1A03-F948-AB0E-399CAF3A02D2}" type="slidenum">
+              <a:rPr lang="en-US" smtClean="0"/>
+              <a:t>16</a:t>
+            </a:fld>
+            <a:endParaRPr lang="en-US"/>
+          </a:p>
+        </p:txBody>
+      </p:sp>
+    </p:spTree>
+    <p:extLst>
+      <p:ext uri="{BB962C8B-B14F-4D97-AF65-F5344CB8AC3E}">
+        <p14:creationId xmlns:p14="http://schemas.microsoft.com/office/powerpoint/2010/main" val="1926843627"/>
+      </p:ext>
+    </p:extLst>
+  </p:cSld>
+  <p:clrMapOvr>
+    <a:masterClrMapping/>
+  </p:clrMapOvr>
+</p:notes>
+</file>
+
+<file path=ppt/notesSlides/notesSlide2.xml><?xml version="1.0" encoding="utf-8"?>
+<p:notes xmlns:a="http://schemas.openxmlformats.org/drawingml/2006/main" xmlns:r="http://schemas.openxmlformats.org/officeDocument/2006/relationships" xmlns:p="http://schemas.openxmlformats.org/presentationml/2006/main">
+  <p:cSld>
+    <p:spTree>
+      <p:nvGrpSpPr>
+        <p:cNvPr id="1" name=""/>
+        <p:cNvGrpSpPr/>
+        <p:nvPr/>
+      </p:nvGrpSpPr>
+      <p:grpSpPr>
+        <a:xfrm>
+          <a:off x="0" y="0"/>
+          <a:ext cx="0" cy="0"/>
+          <a:chOff x="0" y="0"/>
+          <a:chExt cx="0" cy="0"/>
+        </a:xfrm>
+      </p:grpSpPr>
+      <p:sp>
+        <p:nvSpPr>
+          <p:cNvPr id="2" name="Slide Image Placeholder 1"/>
+          <p:cNvSpPr>
+            <a:spLocks noGrp="1" noRot="1" noChangeAspect="1"/>
+          </p:cNvSpPr>
+          <p:nvPr>
+            <p:ph type="sldImg"/>
+          </p:nvPr>
+        </p:nvSpPr>
+        <p:spPr/>
+      </p:sp>
+      <p:sp>
+        <p:nvSpPr>
+          <p:cNvPr id="3" name="Notes Placeholder 2"/>
+          <p:cNvSpPr>
+            <a:spLocks noGrp="1"/>
+          </p:cNvSpPr>
+          <p:nvPr>
+            <p:ph type="body" idx="1"/>
+          </p:nvPr>
+        </p:nvSpPr>
+        <p:spPr/>
+        <p:txBody>
+          <a:bodyPr/>
+          <a:lstStyle/>
+          <a:p>
+            <a:r>
+              <a:rPr lang="en-US" dirty="0"/>
+              <a:t>RME – 12 bins, 10 size</a:t>
+            </a:r>
+          </a:p>
+          <a:p>
+            <a:r>
+              <a:rPr lang="en-US" dirty="0"/>
+              <a:t>AVA – 10 bins, bin size 5</a:t>
+            </a:r>
+          </a:p>
+        </p:txBody>
+      </p:sp>
+      <p:sp>
+        <p:nvSpPr>
+          <p:cNvPr id="4" name="Slide Number Placeholder 3"/>
+          <p:cNvSpPr>
+            <a:spLocks noGrp="1"/>
+          </p:cNvSpPr>
+          <p:nvPr>
+            <p:ph type="sldNum" sz="quarter" idx="5"/>
+          </p:nvPr>
+        </p:nvSpPr>
+        <p:spPr/>
+        <p:txBody>
+          <a:bodyPr/>
+          <a:lstStyle/>
+          <a:p>
+            <a:fld id="{62A94E66-1A03-F948-AB0E-399CAF3A02D2}" type="slidenum">
+              <a:rPr lang="en-US" smtClean="0"/>
+              <a:t>17</a:t>
+            </a:fld>
+            <a:endParaRPr lang="en-US"/>
+          </a:p>
+        </p:txBody>
+      </p:sp>
+    </p:spTree>
+    <p:extLst>
+      <p:ext uri="{BB962C8B-B14F-4D97-AF65-F5344CB8AC3E}">
+        <p14:creationId xmlns:p14="http://schemas.microsoft.com/office/powerpoint/2010/main" val="3101724760"/>
+      </p:ext>
+    </p:extLst>
+  </p:cSld>
+  <p:clrMapOvr>
+    <a:masterClrMapping/>
+  </p:clrMapOvr>
+</p:notes>
+</file>
+
 <file path=ppt/slideLayouts/slideLayout1.xml><?xml version="1.0" encoding="utf-8"?>
 <p:sldLayout xmlns:a="http://schemas.openxmlformats.org/drawingml/2006/main" xmlns:r="http://schemas.openxmlformats.org/officeDocument/2006/relationships" xmlns:p="http://schemas.openxmlformats.org/presentationml/2006/main" type="title" preserve="1">
   <p:cSld name="Title Slide">
@@ -285,7 +824,7 @@
           <a:p>
             <a:fld id="{19A536C5-CB0D-A245-8F02-DF262A114F98}" type="datetimeFigureOut">
               <a:rPr lang="en-US" smtClean="0"/>
-              <a:t>6/14/24</a:t>
+              <a:t>7/16/24</a:t>
             </a:fld>
             <a:endParaRPr lang="en-US"/>
           </a:p>
@@ -483,7 +1022,7 @@
           <a:p>
             <a:fld id="{19A536C5-CB0D-A245-8F02-DF262A114F98}" type="datetimeFigureOut">
               <a:rPr lang="en-US" smtClean="0"/>
-              <a:t>6/14/24</a:t>
+              <a:t>7/16/24</a:t>
             </a:fld>
             <a:endParaRPr lang="en-US"/>
           </a:p>
@@ -691,7 +1230,7 @@
           <a:p>
             <a:fld id="{19A536C5-CB0D-A245-8F02-DF262A114F98}" type="datetimeFigureOut">
               <a:rPr lang="en-US" smtClean="0"/>
-              <a:t>6/14/24</a:t>
+              <a:t>7/16/24</a:t>
             </a:fld>
             <a:endParaRPr lang="en-US"/>
           </a:p>
@@ -889,7 +1428,7 @@
           <a:p>
             <a:fld id="{19A536C5-CB0D-A245-8F02-DF262A114F98}" type="datetimeFigureOut">
               <a:rPr lang="en-US" smtClean="0"/>
-              <a:t>6/14/24</a:t>
+              <a:t>7/16/24</a:t>
             </a:fld>
             <a:endParaRPr lang="en-US"/>
           </a:p>
@@ -1164,7 +1703,7 @@
           <a:p>
             <a:fld id="{19A536C5-CB0D-A245-8F02-DF262A114F98}" type="datetimeFigureOut">
               <a:rPr lang="en-US" smtClean="0"/>
-              <a:t>6/14/24</a:t>
+              <a:t>7/16/24</a:t>
             </a:fld>
             <a:endParaRPr lang="en-US"/>
           </a:p>
@@ -1429,7 +1968,7 @@
           <a:p>
             <a:fld id="{19A536C5-CB0D-A245-8F02-DF262A114F98}" type="datetimeFigureOut">
               <a:rPr lang="en-US" smtClean="0"/>
-              <a:t>6/14/24</a:t>
+              <a:t>7/16/24</a:t>
             </a:fld>
             <a:endParaRPr lang="en-US"/>
           </a:p>
@@ -1841,7 +2380,7 @@
           <a:p>
             <a:fld id="{19A536C5-CB0D-A245-8F02-DF262A114F98}" type="datetimeFigureOut">
               <a:rPr lang="en-US" smtClean="0"/>
-              <a:t>6/14/24</a:t>
+              <a:t>7/16/24</a:t>
             </a:fld>
             <a:endParaRPr lang="en-US"/>
           </a:p>
@@ -1982,7 +2521,7 @@
           <a:p>
             <a:fld id="{19A536C5-CB0D-A245-8F02-DF262A114F98}" type="datetimeFigureOut">
               <a:rPr lang="en-US" smtClean="0"/>
-              <a:t>6/14/24</a:t>
+              <a:t>7/16/24</a:t>
             </a:fld>
             <a:endParaRPr lang="en-US"/>
           </a:p>
@@ -2095,7 +2634,7 @@
           <a:p>
             <a:fld id="{19A536C5-CB0D-A245-8F02-DF262A114F98}" type="datetimeFigureOut">
               <a:rPr lang="en-US" smtClean="0"/>
-              <a:t>6/14/24</a:t>
+              <a:t>7/16/24</a:t>
             </a:fld>
             <a:endParaRPr lang="en-US"/>
           </a:p>
@@ -2406,7 +2945,7 @@
           <a:p>
             <a:fld id="{19A536C5-CB0D-A245-8F02-DF262A114F98}" type="datetimeFigureOut">
               <a:rPr lang="en-US" smtClean="0"/>
-              <a:t>6/14/24</a:t>
+              <a:t>7/16/24</a:t>
             </a:fld>
             <a:endParaRPr lang="en-US"/>
           </a:p>
@@ -2694,7 +3233,7 @@
           <a:p>
             <a:fld id="{19A536C5-CB0D-A245-8F02-DF262A114F98}" type="datetimeFigureOut">
               <a:rPr lang="en-US" smtClean="0"/>
-              <a:t>6/14/24</a:t>
+              <a:t>7/16/24</a:t>
             </a:fld>
             <a:endParaRPr lang="en-US"/>
           </a:p>
@@ -2935,7 +3474,7 @@
           <a:p>
             <a:fld id="{19A536C5-CB0D-A245-8F02-DF262A114F98}" type="datetimeFigureOut">
               <a:rPr lang="en-US" smtClean="0"/>
-              <a:t>6/14/24</a:t>
+              <a:t>7/16/24</a:t>
             </a:fld>
             <a:endParaRPr lang="en-US"/>
           </a:p>
@@ -4687,7 +5226,7 @@
         </p:nvSpPr>
         <p:spPr>
           <a:xfrm>
-            <a:off x="838200" y="153370"/>
+            <a:off x="838200" y="0"/>
             <a:ext cx="10515600" cy="1325563"/>
           </a:xfrm>
         </p:spPr>
@@ -4696,46 +5235,483 @@
           <a:lstStyle/>
           <a:p>
             <a:r>
-              <a:rPr lang="en-US" dirty="0"/>
+              <a:rPr lang="en-US"/>
               <a:t>MNE Quadratic ON/OFF</a:t>
             </a:r>
-          </a:p>
-        </p:txBody>
-      </p:sp>
-      <p:sp>
-        <p:nvSpPr>
-          <p:cNvPr id="3" name="Content Placeholder 2">
-            <a:extLst>
-              <a:ext uri="{FF2B5EF4-FFF2-40B4-BE49-F238E27FC236}">
-                <a16:creationId xmlns:a16="http://schemas.microsoft.com/office/drawing/2014/main" id="{A89603D1-862B-0F0D-D01C-C3EA5CE51577}"/>
-              </a:ext>
-            </a:extLst>
-          </p:cNvPr>
-          <p:cNvSpPr>
-            <a:spLocks noGrp="1"/>
-          </p:cNvSpPr>
+            <a:endParaRPr lang="en-US" dirty="0"/>
+          </a:p>
+        </p:txBody>
+      </p:sp>
+      <p:pic>
+        <p:nvPicPr>
+          <p:cNvPr id="5" name="Content Placeholder 4" descr="A graph with red and blue lines&#10;&#10;Description automatically generated">
+            <a:extLst>
+              <a:ext uri="{FF2B5EF4-FFF2-40B4-BE49-F238E27FC236}">
+                <a16:creationId xmlns:a16="http://schemas.microsoft.com/office/drawing/2014/main" id="{E0D68984-200A-F1F5-2540-91C6827B3FF3}"/>
+              </a:ext>
+            </a:extLst>
+          </p:cNvPr>
+          <p:cNvPicPr>
+            <a:picLocks noGrp="1" noChangeAspect="1"/>
+          </p:cNvPicPr>
           <p:nvPr>
             <p:ph idx="1"/>
           </p:nvPr>
-        </p:nvSpPr>
-        <p:spPr>
-          <a:xfrm>
-            <a:off x="838200" y="1078029"/>
-            <a:ext cx="10515600" cy="5419024"/>
-          </a:xfrm>
-        </p:spPr>
-        <p:txBody>
-          <a:bodyPr/>
-          <a:lstStyle/>
-          <a:p>
-            <a:endParaRPr lang="en-US" dirty="0"/>
-          </a:p>
-        </p:txBody>
-      </p:sp>
+        </p:nvPicPr>
+        <p:blipFill>
+          <a:blip r:embed="rId3"/>
+          <a:stretch>
+            <a:fillRect/>
+          </a:stretch>
+        </p:blipFill>
+        <p:spPr>
+          <a:xfrm>
+            <a:off x="262516" y="1122674"/>
+            <a:ext cx="4641994" cy="2956732"/>
+          </a:xfrm>
+        </p:spPr>
+      </p:pic>
+      <p:pic>
+        <p:nvPicPr>
+          <p:cNvPr id="7" name="Picture 6" descr="A graph of different colored lines&#10;&#10;Description automatically generated">
+            <a:extLst>
+              <a:ext uri="{FF2B5EF4-FFF2-40B4-BE49-F238E27FC236}">
+                <a16:creationId xmlns:a16="http://schemas.microsoft.com/office/drawing/2014/main" id="{7DF7E20F-3FBA-CF01-0E26-7F11E2228746}"/>
+              </a:ext>
+            </a:extLst>
+          </p:cNvPr>
+          <p:cNvPicPr>
+            <a:picLocks noChangeAspect="1"/>
+          </p:cNvPicPr>
+          <p:nvPr/>
+        </p:nvPicPr>
+        <p:blipFill>
+          <a:blip r:embed="rId4"/>
+          <a:stretch>
+            <a:fillRect/>
+          </a:stretch>
+        </p:blipFill>
+        <p:spPr>
+          <a:xfrm>
+            <a:off x="5140441" y="1122674"/>
+            <a:ext cx="3806680" cy="2956732"/>
+          </a:xfrm>
+          <a:prstGeom prst="rect">
+            <a:avLst/>
+          </a:prstGeom>
+        </p:spPr>
+      </p:pic>
+      <p:pic>
+        <p:nvPicPr>
+          <p:cNvPr id="9" name="Picture 8" descr="A graph with red and blue lines&#10;&#10;Description automatically generated">
+            <a:extLst>
+              <a:ext uri="{FF2B5EF4-FFF2-40B4-BE49-F238E27FC236}">
+                <a16:creationId xmlns:a16="http://schemas.microsoft.com/office/drawing/2014/main" id="{9AE9FC54-40EB-DC3A-4D5F-6E86A6EF362C}"/>
+              </a:ext>
+            </a:extLst>
+          </p:cNvPr>
+          <p:cNvPicPr>
+            <a:picLocks noChangeAspect="1"/>
+          </p:cNvPicPr>
+          <p:nvPr/>
+        </p:nvPicPr>
+        <p:blipFill>
+          <a:blip r:embed="rId5"/>
+          <a:stretch>
+            <a:fillRect/>
+          </a:stretch>
+        </p:blipFill>
+        <p:spPr>
+          <a:xfrm>
+            <a:off x="507440" y="4079406"/>
+            <a:ext cx="4397070" cy="2800726"/>
+          </a:xfrm>
+          <a:prstGeom prst="rect">
+            <a:avLst/>
+          </a:prstGeom>
+        </p:spPr>
+      </p:pic>
+      <p:pic>
+        <p:nvPicPr>
+          <p:cNvPr id="11" name="Picture 10" descr="A graph of different colored lines&#10;&#10;Description automatically generated">
+            <a:extLst>
+              <a:ext uri="{FF2B5EF4-FFF2-40B4-BE49-F238E27FC236}">
+                <a16:creationId xmlns:a16="http://schemas.microsoft.com/office/drawing/2014/main" id="{D7C7D519-BEAE-FA67-551C-0FBE010C5631}"/>
+              </a:ext>
+            </a:extLst>
+          </p:cNvPr>
+          <p:cNvPicPr>
+            <a:picLocks noChangeAspect="1"/>
+          </p:cNvPicPr>
+          <p:nvPr/>
+        </p:nvPicPr>
+        <p:blipFill>
+          <a:blip r:embed="rId6"/>
+          <a:stretch>
+            <a:fillRect/>
+          </a:stretch>
+        </p:blipFill>
+        <p:spPr>
+          <a:xfrm>
+            <a:off x="5231335" y="3985513"/>
+            <a:ext cx="3715786" cy="2872487"/>
+          </a:xfrm>
+          <a:prstGeom prst="rect">
+            <a:avLst/>
+          </a:prstGeom>
+        </p:spPr>
+      </p:pic>
     </p:spTree>
     <p:extLst>
       <p:ext uri="{BB962C8B-B14F-4D97-AF65-F5344CB8AC3E}">
         <p14:creationId xmlns:p14="http://schemas.microsoft.com/office/powerpoint/2010/main" val="1293147299"/>
+      </p:ext>
+    </p:extLst>
+  </p:cSld>
+  <p:clrMapOvr>
+    <a:masterClrMapping/>
+  </p:clrMapOvr>
+</p:sld>
+</file>
+
+<file path=ppt/slides/slide17.xml><?xml version="1.0" encoding="utf-8"?>
+<p:sld xmlns:a="http://schemas.openxmlformats.org/drawingml/2006/main" xmlns:r="http://schemas.openxmlformats.org/officeDocument/2006/relationships" xmlns:p="http://schemas.openxmlformats.org/presentationml/2006/main">
+  <p:cSld>
+    <p:spTree>
+      <p:nvGrpSpPr>
+        <p:cNvPr id="1" name=""/>
+        <p:cNvGrpSpPr/>
+        <p:nvPr/>
+      </p:nvGrpSpPr>
+      <p:grpSpPr>
+        <a:xfrm>
+          <a:off x="0" y="0"/>
+          <a:ext cx="0" cy="0"/>
+          <a:chOff x="0" y="0"/>
+          <a:chExt cx="0" cy="0"/>
+        </a:xfrm>
+      </p:grpSpPr>
+      <p:sp>
+        <p:nvSpPr>
+          <p:cNvPr id="2" name="Title 1">
+            <a:extLst>
+              <a:ext uri="{FF2B5EF4-FFF2-40B4-BE49-F238E27FC236}">
+                <a16:creationId xmlns:a16="http://schemas.microsoft.com/office/drawing/2014/main" id="{DF55434B-880C-EF78-3CDB-30FD416D3907}"/>
+              </a:ext>
+            </a:extLst>
+          </p:cNvPr>
+          <p:cNvSpPr>
+            <a:spLocks noGrp="1"/>
+          </p:cNvSpPr>
+          <p:nvPr>
+            <p:ph type="title"/>
+          </p:nvPr>
+        </p:nvSpPr>
+        <p:spPr/>
+        <p:txBody>
+          <a:bodyPr/>
+          <a:lstStyle/>
+          <a:p>
+            <a:r>
+              <a:rPr lang="en-US" dirty="0"/>
+              <a:t>AVA/RME Linear</a:t>
+            </a:r>
+          </a:p>
+        </p:txBody>
+      </p:sp>
+      <p:pic>
+        <p:nvPicPr>
+          <p:cNvPr id="9" name="Content Placeholder 8" descr="A graph with red and blue lines&#10;&#10;Description automatically generated">
+            <a:extLst>
+              <a:ext uri="{FF2B5EF4-FFF2-40B4-BE49-F238E27FC236}">
+                <a16:creationId xmlns:a16="http://schemas.microsoft.com/office/drawing/2014/main" id="{48CA0877-DB06-6624-107D-E7B02C128C7A}"/>
+              </a:ext>
+            </a:extLst>
+          </p:cNvPr>
+          <p:cNvPicPr>
+            <a:picLocks noGrp="1" noChangeAspect="1"/>
+          </p:cNvPicPr>
+          <p:nvPr>
+            <p:ph idx="1"/>
+          </p:nvPr>
+        </p:nvPicPr>
+        <p:blipFill>
+          <a:blip r:embed="rId3"/>
+          <a:stretch>
+            <a:fillRect/>
+          </a:stretch>
+        </p:blipFill>
+        <p:spPr>
+          <a:xfrm>
+            <a:off x="186438" y="1540617"/>
+            <a:ext cx="5318513" cy="3387643"/>
+          </a:xfrm>
+        </p:spPr>
+      </p:pic>
+      <p:pic>
+        <p:nvPicPr>
+          <p:cNvPr id="11" name="Picture 10" descr="A graph with red and blue lines&#10;&#10;Description automatically generated">
+            <a:extLst>
+              <a:ext uri="{FF2B5EF4-FFF2-40B4-BE49-F238E27FC236}">
+                <a16:creationId xmlns:a16="http://schemas.microsoft.com/office/drawing/2014/main" id="{283651AD-7964-03ED-7587-4F39C25AF53E}"/>
+              </a:ext>
+            </a:extLst>
+          </p:cNvPr>
+          <p:cNvPicPr>
+            <a:picLocks noChangeAspect="1"/>
+          </p:cNvPicPr>
+          <p:nvPr/>
+        </p:nvPicPr>
+        <p:blipFill>
+          <a:blip r:embed="rId4"/>
+          <a:stretch>
+            <a:fillRect/>
+          </a:stretch>
+        </p:blipFill>
+        <p:spPr>
+          <a:xfrm>
+            <a:off x="5997441" y="1540617"/>
+            <a:ext cx="5603678" cy="3569279"/>
+          </a:xfrm>
+          <a:prstGeom prst="rect">
+            <a:avLst/>
+          </a:prstGeom>
+        </p:spPr>
+      </p:pic>
+    </p:spTree>
+    <p:extLst>
+      <p:ext uri="{BB962C8B-B14F-4D97-AF65-F5344CB8AC3E}">
+        <p14:creationId xmlns:p14="http://schemas.microsoft.com/office/powerpoint/2010/main" val="954587446"/>
+      </p:ext>
+    </p:extLst>
+  </p:cSld>
+  <p:clrMapOvr>
+    <a:masterClrMapping/>
+  </p:clrMapOvr>
+</p:sld>
+</file>
+
+<file path=ppt/slides/slide18.xml><?xml version="1.0" encoding="utf-8"?>
+<p:sld xmlns:a="http://schemas.openxmlformats.org/drawingml/2006/main" xmlns:r="http://schemas.openxmlformats.org/officeDocument/2006/relationships" xmlns:p="http://schemas.openxmlformats.org/presentationml/2006/main">
+  <p:cSld>
+    <p:spTree>
+      <p:nvGrpSpPr>
+        <p:cNvPr id="1" name=""/>
+        <p:cNvGrpSpPr/>
+        <p:nvPr/>
+      </p:nvGrpSpPr>
+      <p:grpSpPr>
+        <a:xfrm>
+          <a:off x="0" y="0"/>
+          <a:ext cx="0" cy="0"/>
+          <a:chOff x="0" y="0"/>
+          <a:chExt cx="0" cy="0"/>
+        </a:xfrm>
+      </p:grpSpPr>
+      <p:sp>
+        <p:nvSpPr>
+          <p:cNvPr id="2" name="Title 1">
+            <a:extLst>
+              <a:ext uri="{FF2B5EF4-FFF2-40B4-BE49-F238E27FC236}">
+                <a16:creationId xmlns:a16="http://schemas.microsoft.com/office/drawing/2014/main" id="{EFAB7630-F1D6-9620-73C6-5979DC40932D}"/>
+              </a:ext>
+            </a:extLst>
+          </p:cNvPr>
+          <p:cNvSpPr>
+            <a:spLocks noGrp="1"/>
+          </p:cNvSpPr>
+          <p:nvPr>
+            <p:ph type="title"/>
+          </p:nvPr>
+        </p:nvSpPr>
+        <p:spPr/>
+        <p:txBody>
+          <a:bodyPr/>
+          <a:lstStyle/>
+          <a:p>
+            <a:r>
+              <a:rPr lang="en-US" dirty="0"/>
+              <a:t>SMDD/SMDV Linear</a:t>
+            </a:r>
+          </a:p>
+        </p:txBody>
+      </p:sp>
+      <p:sp>
+        <p:nvSpPr>
+          <p:cNvPr id="3" name="Content Placeholder 2">
+            <a:extLst>
+              <a:ext uri="{FF2B5EF4-FFF2-40B4-BE49-F238E27FC236}">
+                <a16:creationId xmlns:a16="http://schemas.microsoft.com/office/drawing/2014/main" id="{C4F7DFF3-49DA-2F09-4EA2-F8A71D4E5B80}"/>
+              </a:ext>
+            </a:extLst>
+          </p:cNvPr>
+          <p:cNvSpPr>
+            <a:spLocks noGrp="1"/>
+          </p:cNvSpPr>
+          <p:nvPr>
+            <p:ph idx="1"/>
+          </p:nvPr>
+        </p:nvSpPr>
+        <p:spPr/>
+        <p:txBody>
+          <a:bodyPr/>
+          <a:lstStyle/>
+          <a:p>
+            <a:endParaRPr lang="en-US"/>
+          </a:p>
+        </p:txBody>
+      </p:sp>
+    </p:spTree>
+    <p:extLst>
+      <p:ext uri="{BB962C8B-B14F-4D97-AF65-F5344CB8AC3E}">
+        <p14:creationId xmlns:p14="http://schemas.microsoft.com/office/powerpoint/2010/main" val="4036671493"/>
+      </p:ext>
+    </p:extLst>
+  </p:cSld>
+  <p:clrMapOvr>
+    <a:masterClrMapping/>
+  </p:clrMapOvr>
+</p:sld>
+</file>
+
+<file path=ppt/slides/slide19.xml><?xml version="1.0" encoding="utf-8"?>
+<p:sld xmlns:a="http://schemas.openxmlformats.org/drawingml/2006/main" xmlns:r="http://schemas.openxmlformats.org/officeDocument/2006/relationships" xmlns:p="http://schemas.openxmlformats.org/presentationml/2006/main">
+  <p:cSld>
+    <p:spTree>
+      <p:nvGrpSpPr>
+        <p:cNvPr id="1" name=""/>
+        <p:cNvGrpSpPr/>
+        <p:nvPr/>
+      </p:nvGrpSpPr>
+      <p:grpSpPr>
+        <a:xfrm>
+          <a:off x="0" y="0"/>
+          <a:ext cx="0" cy="0"/>
+          <a:chOff x="0" y="0"/>
+          <a:chExt cx="0" cy="0"/>
+        </a:xfrm>
+      </p:grpSpPr>
+      <p:sp>
+        <p:nvSpPr>
+          <p:cNvPr id="2" name="Title 1">
+            <a:extLst>
+              <a:ext uri="{FF2B5EF4-FFF2-40B4-BE49-F238E27FC236}">
+                <a16:creationId xmlns:a16="http://schemas.microsoft.com/office/drawing/2014/main" id="{0D0DBFD9-8A5C-1F9E-53CA-1B964FF548E3}"/>
+              </a:ext>
+            </a:extLst>
+          </p:cNvPr>
+          <p:cNvSpPr>
+            <a:spLocks noGrp="1"/>
+          </p:cNvSpPr>
+          <p:nvPr>
+            <p:ph type="title"/>
+          </p:nvPr>
+        </p:nvSpPr>
+        <p:spPr/>
+        <p:txBody>
+          <a:bodyPr/>
+          <a:lstStyle/>
+          <a:p>
+            <a:endParaRPr lang="en-US"/>
+          </a:p>
+        </p:txBody>
+      </p:sp>
+      <p:sp>
+        <p:nvSpPr>
+          <p:cNvPr id="3" name="Content Placeholder 2">
+            <a:extLst>
+              <a:ext uri="{FF2B5EF4-FFF2-40B4-BE49-F238E27FC236}">
+                <a16:creationId xmlns:a16="http://schemas.microsoft.com/office/drawing/2014/main" id="{560BD49A-5111-C912-46A2-B46153A0A2A6}"/>
+              </a:ext>
+            </a:extLst>
+          </p:cNvPr>
+          <p:cNvSpPr>
+            <a:spLocks noGrp="1"/>
+          </p:cNvSpPr>
+          <p:nvPr>
+            <p:ph idx="1"/>
+          </p:nvPr>
+        </p:nvSpPr>
+        <p:spPr/>
+        <p:txBody>
+          <a:bodyPr/>
+          <a:lstStyle/>
+          <a:p>
+            <a:r>
+              <a:rPr lang="en-US" dirty="0"/>
+              <a:t>Fig 1, keep, make a table for each cell type abundance</a:t>
+            </a:r>
+          </a:p>
+          <a:p>
+            <a:pPr marL="0" indent="0">
+              <a:buNone/>
+            </a:pPr>
+            <a:endParaRPr lang="en-US" dirty="0"/>
+          </a:p>
+          <a:p>
+            <a:pPr marL="0" indent="0">
+              <a:buNone/>
+            </a:pPr>
+            <a:r>
+              <a:rPr lang="en-US" dirty="0"/>
+              <a:t>biphasic response, sensory stimulus is changing the state</a:t>
+            </a:r>
+          </a:p>
+          <a:p>
+            <a:pPr marL="0" indent="0">
+              <a:buNone/>
+            </a:pPr>
+            <a:r>
+              <a:rPr lang="en-US" dirty="0"/>
+              <a:t>Quadratic for ava can be greater, </a:t>
+            </a:r>
+            <a:r>
+              <a:rPr lang="en-US" dirty="0" err="1"/>
+              <a:t>ryan’s</a:t>
+            </a:r>
+            <a:r>
+              <a:rPr lang="en-US" dirty="0"/>
+              <a:t> quadratic index ( relative contribution of linear vs quad to neural response)</a:t>
+            </a:r>
+          </a:p>
+          <a:p>
+            <a:pPr marL="0" indent="0">
+              <a:buNone/>
+            </a:pPr>
+            <a:endParaRPr lang="en-US" dirty="0"/>
+          </a:p>
+          <a:p>
+            <a:pPr marL="0" indent="0">
+              <a:buNone/>
+            </a:pPr>
+            <a:r>
+              <a:rPr lang="en-US" dirty="0"/>
+              <a:t>Low rank MNE</a:t>
+            </a:r>
+          </a:p>
+          <a:p>
+            <a:pPr>
+              <a:buFont typeface="Wingdings" pitchFamily="2" charset="2"/>
+              <a:buChar char="è"/>
+            </a:pPr>
+            <a:endParaRPr lang="en-US" dirty="0"/>
+          </a:p>
+          <a:p>
+            <a:pPr>
+              <a:buFont typeface="Wingdings" pitchFamily="2" charset="2"/>
+              <a:buChar char="è"/>
+            </a:pPr>
+            <a:endParaRPr lang="en-US" dirty="0"/>
+          </a:p>
+          <a:p>
+            <a:endParaRPr lang="en-US" dirty="0"/>
+          </a:p>
+        </p:txBody>
+      </p:sp>
+    </p:spTree>
+    <p:extLst>
+      <p:ext uri="{BB962C8B-B14F-4D97-AF65-F5344CB8AC3E}">
+        <p14:creationId xmlns:p14="http://schemas.microsoft.com/office/powerpoint/2010/main" val="957953764"/>
       </p:ext>
     </p:extLst>
   </p:cSld>
@@ -4985,7 +5961,17 @@
             <a:pPr marL="0" indent="0">
               <a:buNone/>
             </a:pPr>
-            <a:endParaRPr lang="en-US" dirty="0"/>
+            <a:r>
+              <a:rPr lang="en-US" sz="1800" dirty="0" err="1"/>
+              <a:t>ProcAiryData</a:t>
+            </a:r>
+            <a:endParaRPr lang="en-US" sz="1800" dirty="0"/>
+          </a:p>
+          <a:p>
+            <a:pPr marL="0" indent="0">
+              <a:buNone/>
+            </a:pPr>
+            <a:endParaRPr lang="en-US" sz="1800" dirty="0"/>
           </a:p>
           <a:p>
             <a:pPr marL="0" indent="0">
@@ -5005,12 +5991,434 @@
             </a:pPr>
             <a:endParaRPr lang="en-US" dirty="0"/>
           </a:p>
+          <a:p>
+            <a:pPr marL="0" indent="0">
+              <a:buNone/>
+            </a:pPr>
+            <a:endParaRPr lang="en-US" dirty="0"/>
+          </a:p>
         </p:txBody>
       </p:sp>
     </p:spTree>
     <p:extLst>
       <p:ext uri="{BB962C8B-B14F-4D97-AF65-F5344CB8AC3E}">
         <p14:creationId xmlns:p14="http://schemas.microsoft.com/office/powerpoint/2010/main" val="218572622"/>
+      </p:ext>
+    </p:extLst>
+  </p:cSld>
+  <p:clrMapOvr>
+    <a:masterClrMapping/>
+  </p:clrMapOvr>
+</p:sld>
+</file>
+
+<file path=ppt/slides/slide20.xml><?xml version="1.0" encoding="utf-8"?>
+<p:sld xmlns:a="http://schemas.openxmlformats.org/drawingml/2006/main" xmlns:r="http://schemas.openxmlformats.org/officeDocument/2006/relationships" xmlns:p="http://schemas.openxmlformats.org/presentationml/2006/main">
+  <p:cSld>
+    <p:spTree>
+      <p:nvGrpSpPr>
+        <p:cNvPr id="1" name=""/>
+        <p:cNvGrpSpPr/>
+        <p:nvPr/>
+      </p:nvGrpSpPr>
+      <p:grpSpPr>
+        <a:xfrm>
+          <a:off x="0" y="0"/>
+          <a:ext cx="0" cy="0"/>
+          <a:chOff x="0" y="0"/>
+          <a:chExt cx="0" cy="0"/>
+        </a:xfrm>
+      </p:grpSpPr>
+      <p:sp>
+        <p:nvSpPr>
+          <p:cNvPr id="2" name="Title 1">
+            <a:extLst>
+              <a:ext uri="{FF2B5EF4-FFF2-40B4-BE49-F238E27FC236}">
+                <a16:creationId xmlns:a16="http://schemas.microsoft.com/office/drawing/2014/main" id="{EB272D6C-2ED8-8BF2-CBE7-050B722B7E70}"/>
+              </a:ext>
+            </a:extLst>
+          </p:cNvPr>
+          <p:cNvSpPr>
+            <a:spLocks noGrp="1"/>
+          </p:cNvSpPr>
+          <p:nvPr>
+            <p:ph type="title"/>
+          </p:nvPr>
+        </p:nvSpPr>
+        <p:spPr>
+          <a:xfrm>
+            <a:off x="838200" y="18255"/>
+            <a:ext cx="10515600" cy="1325563"/>
+          </a:xfrm>
+        </p:spPr>
+        <p:txBody>
+          <a:bodyPr/>
+          <a:lstStyle/>
+          <a:p>
+            <a:r>
+              <a:rPr lang="en-US" dirty="0"/>
+              <a:t>Quadratic MNE</a:t>
+            </a:r>
+          </a:p>
+        </p:txBody>
+      </p:sp>
+      <p:pic>
+        <p:nvPicPr>
+          <p:cNvPr id="5" name="Content Placeholder 4" descr="A graph with a line&#10;&#10;Description automatically generated">
+            <a:extLst>
+              <a:ext uri="{FF2B5EF4-FFF2-40B4-BE49-F238E27FC236}">
+                <a16:creationId xmlns:a16="http://schemas.microsoft.com/office/drawing/2014/main" id="{7F55E0F0-88A6-F6D4-5FE9-A59B171D7B96}"/>
+              </a:ext>
+            </a:extLst>
+          </p:cNvPr>
+          <p:cNvPicPr>
+            <a:picLocks noGrp="1" noChangeAspect="1"/>
+          </p:cNvPicPr>
+          <p:nvPr>
+            <p:ph idx="1"/>
+          </p:nvPr>
+        </p:nvPicPr>
+        <p:blipFill>
+          <a:blip r:embed="rId2"/>
+          <a:stretch>
+            <a:fillRect/>
+          </a:stretch>
+        </p:blipFill>
+        <p:spPr>
+          <a:xfrm>
+            <a:off x="5347360" y="1441450"/>
+            <a:ext cx="5105400" cy="3975100"/>
+          </a:xfrm>
+        </p:spPr>
+      </p:pic>
+      <p:pic>
+        <p:nvPicPr>
+          <p:cNvPr id="7" name="Picture 6" descr="A line graph with numbers&#10;&#10;Description automatically generated">
+            <a:extLst>
+              <a:ext uri="{FF2B5EF4-FFF2-40B4-BE49-F238E27FC236}">
+                <a16:creationId xmlns:a16="http://schemas.microsoft.com/office/drawing/2014/main" id="{EA3AFCB0-D3F4-750C-C40D-53A58D86BAEA}"/>
+              </a:ext>
+            </a:extLst>
+          </p:cNvPr>
+          <p:cNvPicPr>
+            <a:picLocks noChangeAspect="1"/>
+          </p:cNvPicPr>
+          <p:nvPr/>
+        </p:nvPicPr>
+        <p:blipFill>
+          <a:blip r:embed="rId3"/>
+          <a:stretch>
+            <a:fillRect/>
+          </a:stretch>
+        </p:blipFill>
+        <p:spPr>
+          <a:xfrm>
+            <a:off x="241960" y="1441450"/>
+            <a:ext cx="5105400" cy="3975100"/>
+          </a:xfrm>
+          <a:prstGeom prst="rect">
+            <a:avLst/>
+          </a:prstGeom>
+        </p:spPr>
+      </p:pic>
+    </p:spTree>
+    <p:extLst>
+      <p:ext uri="{BB962C8B-B14F-4D97-AF65-F5344CB8AC3E}">
+        <p14:creationId xmlns:p14="http://schemas.microsoft.com/office/powerpoint/2010/main" val="3934366643"/>
+      </p:ext>
+    </p:extLst>
+  </p:cSld>
+  <p:clrMapOvr>
+    <a:masterClrMapping/>
+  </p:clrMapOvr>
+</p:sld>
+</file>
+
+<file path=ppt/slides/slide21.xml><?xml version="1.0" encoding="utf-8"?>
+<p:sld xmlns:a="http://schemas.openxmlformats.org/drawingml/2006/main" xmlns:r="http://schemas.openxmlformats.org/officeDocument/2006/relationships" xmlns:p="http://schemas.openxmlformats.org/presentationml/2006/main">
+  <p:cSld>
+    <p:spTree>
+      <p:nvGrpSpPr>
+        <p:cNvPr id="1" name=""/>
+        <p:cNvGrpSpPr/>
+        <p:nvPr/>
+      </p:nvGrpSpPr>
+      <p:grpSpPr>
+        <a:xfrm>
+          <a:off x="0" y="0"/>
+          <a:ext cx="0" cy="0"/>
+          <a:chOff x="0" y="0"/>
+          <a:chExt cx="0" cy="0"/>
+        </a:xfrm>
+      </p:grpSpPr>
+      <p:pic>
+        <p:nvPicPr>
+          <p:cNvPr id="5" name="Content Placeholder 4" descr="A graph with blue lines&#10;&#10;Description automatically generated">
+            <a:extLst>
+              <a:ext uri="{FF2B5EF4-FFF2-40B4-BE49-F238E27FC236}">
+                <a16:creationId xmlns:a16="http://schemas.microsoft.com/office/drawing/2014/main" id="{7F0DC49B-9A48-82BA-F07C-A05684AF8D04}"/>
+              </a:ext>
+            </a:extLst>
+          </p:cNvPr>
+          <p:cNvPicPr>
+            <a:picLocks noGrp="1" noChangeAspect="1"/>
+          </p:cNvPicPr>
+          <p:nvPr>
+            <p:ph idx="1"/>
+          </p:nvPr>
+        </p:nvPicPr>
+        <p:blipFill>
+          <a:blip r:embed="rId2"/>
+          <a:stretch>
+            <a:fillRect/>
+          </a:stretch>
+        </p:blipFill>
+        <p:spPr>
+          <a:xfrm>
+            <a:off x="325087" y="1690688"/>
+            <a:ext cx="5105400" cy="3975100"/>
+          </a:xfrm>
+        </p:spPr>
+      </p:pic>
+      <p:pic>
+        <p:nvPicPr>
+          <p:cNvPr id="7" name="Picture 6" descr="A graph with blue lines&#10;&#10;Description automatically generated">
+            <a:extLst>
+              <a:ext uri="{FF2B5EF4-FFF2-40B4-BE49-F238E27FC236}">
+                <a16:creationId xmlns:a16="http://schemas.microsoft.com/office/drawing/2014/main" id="{25F6B54B-9D63-A9BC-4814-53831FD8E139}"/>
+              </a:ext>
+            </a:extLst>
+          </p:cNvPr>
+          <p:cNvPicPr>
+            <a:picLocks noChangeAspect="1"/>
+          </p:cNvPicPr>
+          <p:nvPr/>
+        </p:nvPicPr>
+        <p:blipFill>
+          <a:blip r:embed="rId3"/>
+          <a:stretch>
+            <a:fillRect/>
+          </a:stretch>
+        </p:blipFill>
+        <p:spPr>
+          <a:xfrm>
+            <a:off x="5930240" y="1785835"/>
+            <a:ext cx="5105400" cy="3975100"/>
+          </a:xfrm>
+          <a:prstGeom prst="rect">
+            <a:avLst/>
+          </a:prstGeom>
+        </p:spPr>
+      </p:pic>
+    </p:spTree>
+    <p:extLst>
+      <p:ext uri="{BB962C8B-B14F-4D97-AF65-F5344CB8AC3E}">
+        <p14:creationId xmlns:p14="http://schemas.microsoft.com/office/powerpoint/2010/main" val="529259796"/>
+      </p:ext>
+    </p:extLst>
+  </p:cSld>
+  <p:clrMapOvr>
+    <a:masterClrMapping/>
+  </p:clrMapOvr>
+</p:sld>
+</file>
+
+<file path=ppt/slides/slide22.xml><?xml version="1.0" encoding="utf-8"?>
+<p:sld xmlns:a="http://schemas.openxmlformats.org/drawingml/2006/main" xmlns:r="http://schemas.openxmlformats.org/officeDocument/2006/relationships" xmlns:p="http://schemas.openxmlformats.org/presentationml/2006/main">
+  <p:cSld>
+    <p:spTree>
+      <p:nvGrpSpPr>
+        <p:cNvPr id="1" name=""/>
+        <p:cNvGrpSpPr/>
+        <p:nvPr/>
+      </p:nvGrpSpPr>
+      <p:grpSpPr>
+        <a:xfrm>
+          <a:off x="0" y="0"/>
+          <a:ext cx="0" cy="0"/>
+          <a:chOff x="0" y="0"/>
+          <a:chExt cx="0" cy="0"/>
+        </a:xfrm>
+      </p:grpSpPr>
+      <p:pic>
+        <p:nvPicPr>
+          <p:cNvPr id="5" name="Content Placeholder 4" descr="A graph with a line&#10;&#10;Description automatically generated">
+            <a:extLst>
+              <a:ext uri="{FF2B5EF4-FFF2-40B4-BE49-F238E27FC236}">
+                <a16:creationId xmlns:a16="http://schemas.microsoft.com/office/drawing/2014/main" id="{35C156FF-8EF7-1C52-4E20-C17B1CFD32F8}"/>
+              </a:ext>
+            </a:extLst>
+          </p:cNvPr>
+          <p:cNvPicPr>
+            <a:picLocks noGrp="1" noChangeAspect="1"/>
+          </p:cNvPicPr>
+          <p:nvPr>
+            <p:ph idx="1"/>
+          </p:nvPr>
+        </p:nvPicPr>
+        <p:blipFill>
+          <a:blip r:embed="rId2"/>
+          <a:stretch>
+            <a:fillRect/>
+          </a:stretch>
+        </p:blipFill>
+        <p:spPr>
+          <a:xfrm>
+            <a:off x="372588" y="1966243"/>
+            <a:ext cx="5105400" cy="3975100"/>
+          </a:xfrm>
+        </p:spPr>
+      </p:pic>
+      <p:pic>
+        <p:nvPicPr>
+          <p:cNvPr id="7" name="Picture 6" descr="A line graph with numbers and symbols&#10;&#10;Description automatically generated">
+            <a:extLst>
+              <a:ext uri="{FF2B5EF4-FFF2-40B4-BE49-F238E27FC236}">
+                <a16:creationId xmlns:a16="http://schemas.microsoft.com/office/drawing/2014/main" id="{A3BE2E68-C139-6C39-5B57-75762A2B1245}"/>
+              </a:ext>
+            </a:extLst>
+          </p:cNvPr>
+          <p:cNvPicPr>
+            <a:picLocks noChangeAspect="1"/>
+          </p:cNvPicPr>
+          <p:nvPr/>
+        </p:nvPicPr>
+        <p:blipFill>
+          <a:blip r:embed="rId3"/>
+          <a:stretch>
+            <a:fillRect/>
+          </a:stretch>
+        </p:blipFill>
+        <p:spPr>
+          <a:xfrm>
+            <a:off x="6001493" y="1966243"/>
+            <a:ext cx="5105400" cy="3975100"/>
+          </a:xfrm>
+          <a:prstGeom prst="rect">
+            <a:avLst/>
+          </a:prstGeom>
+        </p:spPr>
+      </p:pic>
+    </p:spTree>
+    <p:extLst>
+      <p:ext uri="{BB962C8B-B14F-4D97-AF65-F5344CB8AC3E}">
+        <p14:creationId xmlns:p14="http://schemas.microsoft.com/office/powerpoint/2010/main" val="2176279249"/>
+      </p:ext>
+    </p:extLst>
+  </p:cSld>
+  <p:clrMapOvr>
+    <a:masterClrMapping/>
+  </p:clrMapOvr>
+</p:sld>
+</file>
+
+<file path=ppt/slides/slide23.xml><?xml version="1.0" encoding="utf-8"?>
+<p:sld xmlns:a="http://schemas.openxmlformats.org/drawingml/2006/main" xmlns:r="http://schemas.openxmlformats.org/officeDocument/2006/relationships" xmlns:p="http://schemas.openxmlformats.org/presentationml/2006/main">
+  <p:cSld>
+    <p:spTree>
+      <p:nvGrpSpPr>
+        <p:cNvPr id="1" name=""/>
+        <p:cNvGrpSpPr/>
+        <p:nvPr/>
+      </p:nvGrpSpPr>
+      <p:grpSpPr>
+        <a:xfrm>
+          <a:off x="0" y="0"/>
+          <a:ext cx="0" cy="0"/>
+          <a:chOff x="0" y="0"/>
+          <a:chExt cx="0" cy="0"/>
+        </a:xfrm>
+      </p:grpSpPr>
+      <p:sp>
+        <p:nvSpPr>
+          <p:cNvPr id="2" name="Title 1">
+            <a:extLst>
+              <a:ext uri="{FF2B5EF4-FFF2-40B4-BE49-F238E27FC236}">
+                <a16:creationId xmlns:a16="http://schemas.microsoft.com/office/drawing/2014/main" id="{A7E7BBE2-56B9-CE2F-9967-4FE98B1D6BD6}"/>
+              </a:ext>
+            </a:extLst>
+          </p:cNvPr>
+          <p:cNvSpPr>
+            <a:spLocks noGrp="1"/>
+          </p:cNvSpPr>
+          <p:nvPr>
+            <p:ph type="title"/>
+          </p:nvPr>
+        </p:nvSpPr>
+        <p:spPr/>
+        <p:txBody>
+          <a:bodyPr/>
+          <a:lstStyle/>
+          <a:p>
+            <a:r>
+              <a:rPr lang="en-US" dirty="0"/>
+              <a:t>40s timescale</a:t>
+            </a:r>
+          </a:p>
+        </p:txBody>
+      </p:sp>
+      <p:pic>
+        <p:nvPicPr>
+          <p:cNvPr id="9" name="Picture 8" descr="A graph with lines and numbers&#10;&#10;Description automatically generated">
+            <a:extLst>
+              <a:ext uri="{FF2B5EF4-FFF2-40B4-BE49-F238E27FC236}">
+                <a16:creationId xmlns:a16="http://schemas.microsoft.com/office/drawing/2014/main" id="{C2E91B7C-CB6E-4ECF-A4C0-BC067D0D7B14}"/>
+              </a:ext>
+            </a:extLst>
+          </p:cNvPr>
+          <p:cNvPicPr>
+            <a:picLocks noChangeAspect="1"/>
+          </p:cNvPicPr>
+          <p:nvPr/>
+        </p:nvPicPr>
+        <p:blipFill rotWithShape="1">
+          <a:blip r:embed="rId2"/>
+          <a:srcRect r="1276"/>
+          <a:stretch/>
+        </p:blipFill>
+        <p:spPr>
+          <a:xfrm>
+            <a:off x="230886" y="1515586"/>
+            <a:ext cx="5694426" cy="4458494"/>
+          </a:xfrm>
+          <a:prstGeom prst="rect">
+            <a:avLst/>
+          </a:prstGeom>
+        </p:spPr>
+      </p:pic>
+      <p:pic>
+        <p:nvPicPr>
+          <p:cNvPr id="13" name="Picture 12" descr="A graph with a line&#10;&#10;Description automatically generated">
+            <a:extLst>
+              <a:ext uri="{FF2B5EF4-FFF2-40B4-BE49-F238E27FC236}">
+                <a16:creationId xmlns:a16="http://schemas.microsoft.com/office/drawing/2014/main" id="{92CFF49B-44C5-E16C-FCEC-75836C607A5F}"/>
+              </a:ext>
+            </a:extLst>
+          </p:cNvPr>
+          <p:cNvPicPr>
+            <a:picLocks noChangeAspect="1"/>
+          </p:cNvPicPr>
+          <p:nvPr/>
+        </p:nvPicPr>
+        <p:blipFill rotWithShape="1">
+          <a:blip r:embed="rId3"/>
+          <a:srcRect b="1915"/>
+          <a:stretch/>
+        </p:blipFill>
+        <p:spPr>
+          <a:xfrm>
+            <a:off x="5925312" y="1515586"/>
+            <a:ext cx="5680984" cy="4373150"/>
+          </a:xfrm>
+          <a:prstGeom prst="rect">
+            <a:avLst/>
+          </a:prstGeom>
+        </p:spPr>
+      </p:pic>
+    </p:spTree>
+    <p:extLst>
+      <p:ext uri="{BB962C8B-B14F-4D97-AF65-F5344CB8AC3E}">
+        <p14:creationId xmlns:p14="http://schemas.microsoft.com/office/powerpoint/2010/main" val="2536228930"/>
       </p:ext>
     </p:extLst>
   </p:cSld>
@@ -6947,4 +8355,319 @@
     </a:ext>
   </a:extLst>
 </a:theme>
+</file>
+
+<file path=ppt/theme/theme2.xml><?xml version="1.0" encoding="utf-8"?>
+<a:theme xmlns:a="http://schemas.openxmlformats.org/drawingml/2006/main" name="Office Theme">
+  <a:themeElements>
+    <a:clrScheme name="Office">
+      <a:dk1>
+        <a:sysClr val="windowText" lastClr="000000"/>
+      </a:dk1>
+      <a:lt1>
+        <a:sysClr val="window" lastClr="FFFFFF"/>
+      </a:lt1>
+      <a:dk2>
+        <a:srgbClr val="0E2841"/>
+      </a:dk2>
+      <a:lt2>
+        <a:srgbClr val="E8E8E8"/>
+      </a:lt2>
+      <a:accent1>
+        <a:srgbClr val="156082"/>
+      </a:accent1>
+      <a:accent2>
+        <a:srgbClr val="E97132"/>
+      </a:accent2>
+      <a:accent3>
+        <a:srgbClr val="196B24"/>
+      </a:accent3>
+      <a:accent4>
+        <a:srgbClr val="0F9ED5"/>
+      </a:accent4>
+      <a:accent5>
+        <a:srgbClr val="A02B93"/>
+      </a:accent5>
+      <a:accent6>
+        <a:srgbClr val="4EA72E"/>
+      </a:accent6>
+      <a:hlink>
+        <a:srgbClr val="467886"/>
+      </a:hlink>
+      <a:folHlink>
+        <a:srgbClr val="96607D"/>
+      </a:folHlink>
+    </a:clrScheme>
+    <a:fontScheme name="Office">
+      <a:majorFont>
+        <a:latin typeface="Aptos Display" panose="02110004020202020204"/>
+        <a:ea typeface=""/>
+        <a:cs typeface=""/>
+        <a:font script="Jpan" typeface="游ゴシック Light"/>
+        <a:font script="Hang" typeface="맑은 고딕"/>
+        <a:font script="Hans" typeface="等线 Light"/>
+        <a:font script="Hant" typeface="新細明體"/>
+        <a:font script="Arab" typeface="Times New Roman"/>
+        <a:font script="Hebr" typeface="Times New Roman"/>
+        <a:font script="Thai" typeface="Angsana New"/>
+        <a:font script="Ethi" typeface="Nyala"/>
+        <a:font script="Beng" typeface="Vrinda"/>
+        <a:font script="Gujr" typeface="Shruti"/>
+        <a:font script="Khmr" typeface="MoolBoran"/>
+        <a:font script="Knda" typeface="Tunga"/>
+        <a:font script="Guru" typeface="Raavi"/>
+        <a:font script="Cans" typeface="Euphemia"/>
+        <a:font script="Cher" typeface="Plantagenet Cherokee"/>
+        <a:font script="Yiii" typeface="Microsoft Yi Baiti"/>
+        <a:font script="Tibt" typeface="Microsoft Himalaya"/>
+        <a:font script="Thaa" typeface="MV Boli"/>
+        <a:font script="Deva" typeface="Mangal"/>
+        <a:font script="Telu" typeface="Gautami"/>
+        <a:font script="Taml" typeface="Latha"/>
+        <a:font script="Syrc" typeface="Estrangelo Edessa"/>
+        <a:font script="Orya" typeface="Kalinga"/>
+        <a:font script="Mlym" typeface="Kartika"/>
+        <a:font script="Laoo" typeface="DokChampa"/>
+        <a:font script="Sinh" typeface="Iskoola Pota"/>
+        <a:font script="Mong" typeface="Mongolian Baiti"/>
+        <a:font script="Viet" typeface="Times New Roman"/>
+        <a:font script="Uigh" typeface="Microsoft Uighur"/>
+        <a:font script="Geor" typeface="Sylfaen"/>
+        <a:font script="Armn" typeface="Arial"/>
+        <a:font script="Bugi" typeface="Leelawadee UI"/>
+        <a:font script="Bopo" typeface="Microsoft JhengHei"/>
+        <a:font script="Java" typeface="Javanese Text"/>
+        <a:font script="Lisu" typeface="Segoe UI"/>
+        <a:font script="Mymr" typeface="Myanmar Text"/>
+        <a:font script="Nkoo" typeface="Ebrima"/>
+        <a:font script="Olck" typeface="Nirmala UI"/>
+        <a:font script="Osma" typeface="Ebrima"/>
+        <a:font script="Phag" typeface="Phagspa"/>
+        <a:font script="Syrn" typeface="Estrangelo Edessa"/>
+        <a:font script="Syrj" typeface="Estrangelo Edessa"/>
+        <a:font script="Syre" typeface="Estrangelo Edessa"/>
+        <a:font script="Sora" typeface="Nirmala UI"/>
+        <a:font script="Tale" typeface="Microsoft Tai Le"/>
+        <a:font script="Talu" typeface="Microsoft New Tai Lue"/>
+        <a:font script="Tfng" typeface="Ebrima"/>
+      </a:majorFont>
+      <a:minorFont>
+        <a:latin typeface="Aptos" panose="02110004020202020204"/>
+        <a:ea typeface=""/>
+        <a:cs typeface=""/>
+        <a:font script="Jpan" typeface="游ゴシック"/>
+        <a:font script="Hang" typeface="맑은 고딕"/>
+        <a:font script="Hans" typeface="等线"/>
+        <a:font script="Hant" typeface="新細明體"/>
+        <a:font script="Arab" typeface="Arial"/>
+        <a:font script="Hebr" typeface="Arial"/>
+        <a:font script="Thai" typeface="Cordia New"/>
+        <a:font script="Ethi" typeface="Nyala"/>
+        <a:font script="Beng" typeface="Vrinda"/>
+        <a:font script="Gujr" typeface="Shruti"/>
+        <a:font script="Khmr" typeface="DaunPenh"/>
+        <a:font script="Knda" typeface="Tunga"/>
+        <a:font script="Guru" typeface="Raavi"/>
+        <a:font script="Cans" typeface="Euphemia"/>
+        <a:font script="Cher" typeface="Plantagenet Cherokee"/>
+        <a:font script="Yiii" typeface="Microsoft Yi Baiti"/>
+        <a:font script="Tibt" typeface="Microsoft Himalaya"/>
+        <a:font script="Thaa" typeface="MV Boli"/>
+        <a:font script="Deva" typeface="Mangal"/>
+        <a:font script="Telu" typeface="Gautami"/>
+        <a:font script="Taml" typeface="Latha"/>
+        <a:font script="Syrc" typeface="Estrangelo Edessa"/>
+        <a:font script="Orya" typeface="Kalinga"/>
+        <a:font script="Mlym" typeface="Kartika"/>
+        <a:font script="Laoo" typeface="DokChampa"/>
+        <a:font script="Sinh" typeface="Iskoola Pota"/>
+        <a:font script="Mong" typeface="Mongolian Baiti"/>
+        <a:font script="Viet" typeface="Arial"/>
+        <a:font script="Uigh" typeface="Microsoft Uighur"/>
+        <a:font script="Geor" typeface="Sylfaen"/>
+        <a:font script="Armn" typeface="Arial"/>
+        <a:font script="Bugi" typeface="Leelawadee UI"/>
+        <a:font script="Bopo" typeface="Microsoft JhengHei"/>
+        <a:font script="Java" typeface="Javanese Text"/>
+        <a:font script="Lisu" typeface="Segoe UI"/>
+        <a:font script="Mymr" typeface="Myanmar Text"/>
+        <a:font script="Nkoo" typeface="Ebrima"/>
+        <a:font script="Olck" typeface="Nirmala UI"/>
+        <a:font script="Osma" typeface="Ebrima"/>
+        <a:font script="Phag" typeface="Phagspa"/>
+        <a:font script="Syrn" typeface="Estrangelo Edessa"/>
+        <a:font script="Syrj" typeface="Estrangelo Edessa"/>
+        <a:font script="Syre" typeface="Estrangelo Edessa"/>
+        <a:font script="Sora" typeface="Nirmala UI"/>
+        <a:font script="Tale" typeface="Microsoft Tai Le"/>
+        <a:font script="Talu" typeface="Microsoft New Tai Lue"/>
+        <a:font script="Tfng" typeface="Ebrima"/>
+      </a:minorFont>
+    </a:fontScheme>
+    <a:fmtScheme name="Office">
+      <a:fillStyleLst>
+        <a:solidFill>
+          <a:schemeClr val="phClr"/>
+        </a:solidFill>
+        <a:gradFill rotWithShape="1">
+          <a:gsLst>
+            <a:gs pos="0">
+              <a:schemeClr val="phClr">
+                <a:lumMod val="110000"/>
+                <a:satMod val="105000"/>
+                <a:tint val="67000"/>
+              </a:schemeClr>
+            </a:gs>
+            <a:gs pos="50000">
+              <a:schemeClr val="phClr">
+                <a:lumMod val="105000"/>
+                <a:satMod val="103000"/>
+                <a:tint val="73000"/>
+              </a:schemeClr>
+            </a:gs>
+            <a:gs pos="100000">
+              <a:schemeClr val="phClr">
+                <a:lumMod val="105000"/>
+                <a:satMod val="109000"/>
+                <a:tint val="81000"/>
+              </a:schemeClr>
+            </a:gs>
+          </a:gsLst>
+          <a:lin ang="5400000" scaled="0"/>
+        </a:gradFill>
+        <a:gradFill rotWithShape="1">
+          <a:gsLst>
+            <a:gs pos="0">
+              <a:schemeClr val="phClr">
+                <a:satMod val="103000"/>
+                <a:lumMod val="102000"/>
+                <a:tint val="94000"/>
+              </a:schemeClr>
+            </a:gs>
+            <a:gs pos="50000">
+              <a:schemeClr val="phClr">
+                <a:satMod val="110000"/>
+                <a:lumMod val="100000"/>
+                <a:shade val="100000"/>
+              </a:schemeClr>
+            </a:gs>
+            <a:gs pos="100000">
+              <a:schemeClr val="phClr">
+                <a:lumMod val="99000"/>
+                <a:satMod val="120000"/>
+                <a:shade val="78000"/>
+              </a:schemeClr>
+            </a:gs>
+          </a:gsLst>
+          <a:lin ang="5400000" scaled="0"/>
+        </a:gradFill>
+      </a:fillStyleLst>
+      <a:lnStyleLst>
+        <a:ln w="12700" cap="flat" cmpd="sng" algn="ctr">
+          <a:solidFill>
+            <a:schemeClr val="phClr"/>
+          </a:solidFill>
+          <a:prstDash val="solid"/>
+          <a:miter lim="800000"/>
+        </a:ln>
+        <a:ln w="19050" cap="flat" cmpd="sng" algn="ctr">
+          <a:solidFill>
+            <a:schemeClr val="phClr"/>
+          </a:solidFill>
+          <a:prstDash val="solid"/>
+          <a:miter lim="800000"/>
+        </a:ln>
+        <a:ln w="25400" cap="flat" cmpd="sng" algn="ctr">
+          <a:solidFill>
+            <a:schemeClr val="phClr"/>
+          </a:solidFill>
+          <a:prstDash val="solid"/>
+          <a:miter lim="800000"/>
+        </a:ln>
+      </a:lnStyleLst>
+      <a:effectStyleLst>
+        <a:effectStyle>
+          <a:effectLst/>
+        </a:effectStyle>
+        <a:effectStyle>
+          <a:effectLst/>
+        </a:effectStyle>
+        <a:effectStyle>
+          <a:effectLst>
+            <a:outerShdw blurRad="57150" dist="19050" dir="5400000" algn="ctr" rotWithShape="0">
+              <a:srgbClr val="000000">
+                <a:alpha val="63000"/>
+              </a:srgbClr>
+            </a:outerShdw>
+          </a:effectLst>
+        </a:effectStyle>
+      </a:effectStyleLst>
+      <a:bgFillStyleLst>
+        <a:solidFill>
+          <a:schemeClr val="phClr"/>
+        </a:solidFill>
+        <a:solidFill>
+          <a:schemeClr val="phClr">
+            <a:tint val="95000"/>
+            <a:satMod val="170000"/>
+          </a:schemeClr>
+        </a:solidFill>
+        <a:gradFill rotWithShape="1">
+          <a:gsLst>
+            <a:gs pos="0">
+              <a:schemeClr val="phClr">
+                <a:tint val="93000"/>
+                <a:satMod val="150000"/>
+                <a:shade val="98000"/>
+                <a:lumMod val="102000"/>
+              </a:schemeClr>
+            </a:gs>
+            <a:gs pos="50000">
+              <a:schemeClr val="phClr">
+                <a:tint val="98000"/>
+                <a:satMod val="130000"/>
+                <a:shade val="90000"/>
+                <a:lumMod val="103000"/>
+              </a:schemeClr>
+            </a:gs>
+            <a:gs pos="100000">
+              <a:schemeClr val="phClr">
+                <a:shade val="63000"/>
+                <a:satMod val="120000"/>
+              </a:schemeClr>
+            </a:gs>
+          </a:gsLst>
+          <a:lin ang="5400000" scaled="0"/>
+        </a:gradFill>
+      </a:bgFillStyleLst>
+    </a:fmtScheme>
+  </a:themeElements>
+  <a:objectDefaults>
+    <a:lnDef>
+      <a:spPr/>
+      <a:bodyPr/>
+      <a:lstStyle/>
+      <a:style>
+        <a:lnRef idx="2">
+          <a:schemeClr val="accent1"/>
+        </a:lnRef>
+        <a:fillRef idx="0">
+          <a:schemeClr val="accent1"/>
+        </a:fillRef>
+        <a:effectRef idx="1">
+          <a:schemeClr val="accent1"/>
+        </a:effectRef>
+        <a:fontRef idx="minor">
+          <a:schemeClr val="tx1"/>
+        </a:fontRef>
+      </a:style>
+    </a:lnDef>
+  </a:objectDefaults>
+  <a:extraClrSchemeLst/>
+  <a:extLst>
+    <a:ext uri="{05A4C25C-085E-4340-85A3-A5531E510DB2}">
+      <thm15:themeFamily xmlns:thm15="http://schemas.microsoft.com/office/thememl/2012/main" name="Office Theme" id="{2E142A2C-CD16-42D6-873A-C26D2A0506FA}" vid="{1BDDFF52-6CD6-40A5-AB3C-68EB2F1E4D0A}"/>
+    </a:ext>
+  </a:extLst>
+</a:theme>
 </file>